--- a/Instructor-Led/Module3/Lessons/Module3_Lesson8 Maximizing Code Reuse with Xamarin.pptx
+++ b/Instructor-Led/Module3/Lessons/Module3_Lesson8 Maximizing Code Reuse with Xamarin.pptx
@@ -126,7 +126,7 @@
   </p:defaultTextStyle>
   <p:extLst>
     <p:ext uri="{EFAFB233-063F-42B5-8137-9DF3F51BA10A}">
-      <p15:sldGuideLst xmlns="" xmlns:p15="http://schemas.microsoft.com/office/powerpoint/2012/main">
+      <p15:sldGuideLst xmlns:p15="http://schemas.microsoft.com/office/powerpoint/2012/main" xmlns="">
         <p15:guide id="1" orient="horz" pos="2160">
           <p15:clr>
             <a:srgbClr val="A4A3A4"/>
@@ -225,7 +225,7 @@
           <a:p>
             <a:fld id="{49B60EF2-7028-489F-85D8-FE86CD7CF2A0}" type="datetimeFigureOut">
               <a:rPr lang="en-US" smtClean="0"/>
-              <a:t>6/17/16</a:t>
+              <a:t>6/28/16</a:t>
             </a:fld>
             <a:endParaRPr lang="en-US"/>
           </a:p>
@@ -683,8 +683,100 @@
             </a:pPr>
             <a:r>
               <a:rPr lang="en-US" b="1" dirty="0"/>
-              <a:t>References:</a:t>
-            </a:r>
+              <a:t>References</a:t>
+            </a:r>
+            <a:r>
+              <a:rPr lang="en-US" b="1" dirty="0" smtClean="0"/>
+              <a:t>:</a:t>
+            </a:r>
+            <a:endParaRPr lang="en-US" b="1" dirty="0"/>
+          </a:p>
+          <a:p>
+            <a:pPr marL="171450" marR="0" indent="-171450" algn="l" defTabSz="914400" rtl="0" eaLnBrk="1" fontAlgn="auto" latinLnBrk="0" hangingPunct="1">
+              <a:lnSpc>
+                <a:spcPct val="100000"/>
+              </a:lnSpc>
+              <a:spcBef>
+                <a:spcPts val="0"/>
+              </a:spcBef>
+              <a:spcAft>
+                <a:spcPts val="0"/>
+              </a:spcAft>
+              <a:buClrTx/>
+              <a:buSzTx/>
+              <a:buFont typeface="Arial" panose="020B0604020202020204" pitchFamily="34" charset="0"/>
+              <a:buChar char="•"/>
+              <a:tabLst/>
+              <a:defRPr/>
+            </a:pPr>
+            <a:r>
+              <a:rPr lang="en-US" dirty="0" smtClean="0"/>
+              <a:t>Code examples</a:t>
+            </a:r>
+            <a:r>
+              <a:rPr lang="en-US" baseline="0" dirty="0" smtClean="0"/>
+              <a:t> on pages 382-384 of </a:t>
+            </a:r>
+            <a:r>
+              <a:rPr lang="en-US" sz="1200" b="0" i="1" u="none" strike="noStrike" kern="1200" baseline="0" dirty="0" err="1" smtClean="0">
+                <a:solidFill>
+                  <a:schemeClr val="tx1"/>
+                </a:solidFill>
+                <a:latin typeface="+mn-lt"/>
+                <a:ea typeface="+mn-ea"/>
+                <a:cs typeface="+mn-cs"/>
+              </a:rPr>
+              <a:t>Xamarin</a:t>
+            </a:r>
+            <a:r>
+              <a:rPr lang="en-US" sz="1200" b="0" i="1" u="none" strike="noStrike" kern="1200" baseline="0" dirty="0" smtClean="0">
+                <a:solidFill>
+                  <a:schemeClr val="tx1"/>
+                </a:solidFill>
+                <a:latin typeface="+mn-lt"/>
+                <a:ea typeface="+mn-ea"/>
+                <a:cs typeface="+mn-cs"/>
+              </a:rPr>
+              <a:t> Mobile Application Development </a:t>
+            </a:r>
+            <a:r>
+              <a:rPr lang="en-US" sz="1200" b="0" i="0" u="none" strike="noStrike" kern="1200" baseline="0" dirty="0" smtClean="0">
+                <a:solidFill>
+                  <a:schemeClr val="tx1"/>
+                </a:solidFill>
+                <a:latin typeface="+mn-lt"/>
+                <a:ea typeface="+mn-ea"/>
+                <a:cs typeface="+mn-cs"/>
+              </a:rPr>
+              <a:t>by Dan Hermes  http://</a:t>
+            </a:r>
+            <a:r>
+              <a:rPr lang="en-US" sz="1200" b="0" i="0" u="none" strike="noStrike" kern="1200" baseline="0" dirty="0" err="1" smtClean="0">
+                <a:solidFill>
+                  <a:schemeClr val="tx1"/>
+                </a:solidFill>
+                <a:latin typeface="+mn-lt"/>
+                <a:ea typeface="+mn-ea"/>
+                <a:cs typeface="+mn-cs"/>
+              </a:rPr>
+              <a:t>amzn.to</a:t>
+            </a:r>
+            <a:r>
+              <a:rPr lang="en-US" sz="1200" b="0" i="0" u="none" strike="noStrike" kern="1200" baseline="0" dirty="0" smtClean="0">
+                <a:solidFill>
+                  <a:schemeClr val="tx1"/>
+                </a:solidFill>
+                <a:latin typeface="+mn-lt"/>
+                <a:ea typeface="+mn-ea"/>
+                <a:cs typeface="+mn-cs"/>
+              </a:rPr>
+              <a:t>/1rowG7K</a:t>
+            </a:r>
+            <a:r>
+              <a:rPr lang="en-US" baseline="0" dirty="0" smtClean="0"/>
+              <a:t> </a:t>
+            </a:r>
+            <a:endParaRPr lang="en-US" dirty="0" smtClean="0"/>
           </a:p>
           <a:p>
             <a:pPr marL="171450" indent="-171450">
@@ -692,8 +784,12 @@
               <a:buChar char="•"/>
             </a:pPr>
             <a:r>
+              <a:rPr lang="en-US" dirty="0" smtClean="0"/>
+              <a:t>Further </a:t>
+            </a:r>
+            <a:r>
               <a:rPr lang="en-US" dirty="0"/>
-              <a:t>Further reading on conditional compilation: https://developer.xamarin.com/guides/cross-platform/application_fundamentals/building_cross_platform_applications/part_4_-_platform_divergence_abstraction_divergent_implementation/#Conditional_Compilation</a:t>
+              <a:t>reading on conditional compilation: https://developer.xamarin.com/guides/cross-platform/application_fundamentals/building_cross_platform_applications/part_4_-_platform_divergence_abstraction_divergent_implementation/#Conditional_Compilation</a:t>
             </a:r>
           </a:p>
         </p:txBody>
@@ -3435,7 +3531,7 @@
           <a:p>
             <a:fld id="{0459C166-16D3-4A25-A2F8-C51E0E346B22}" type="datetimeFigureOut">
               <a:rPr lang="en-US" smtClean="0"/>
-              <a:t>6/17/16</a:t>
+              <a:t>6/28/16</a:t>
             </a:fld>
             <a:endParaRPr lang="en-US"/>
           </a:p>
@@ -3799,7 +3895,7 @@
           <a:p>
             <a:fld id="{0459C166-16D3-4A25-A2F8-C51E0E346B22}" type="datetimeFigureOut">
               <a:rPr lang="en-US" smtClean="0"/>
-              <a:t>6/17/16</a:t>
+              <a:t>6/28/16</a:t>
             </a:fld>
             <a:endParaRPr lang="en-US"/>
           </a:p>
@@ -3916,7 +4012,7 @@
           <a:p>
             <a:fld id="{0459C166-16D3-4A25-A2F8-C51E0E346B22}" type="datetimeFigureOut">
               <a:rPr lang="en-US" smtClean="0"/>
-              <a:t>6/17/16</a:t>
+              <a:t>6/28/16</a:t>
             </a:fld>
             <a:endParaRPr lang="en-US"/>
           </a:p>
@@ -4011,7 +4107,7 @@
           <a:p>
             <a:fld id="{0459C166-16D3-4A25-A2F8-C51E0E346B22}" type="datetimeFigureOut">
               <a:rPr lang="en-US" smtClean="0"/>
-              <a:t>6/17/16</a:t>
+              <a:t>6/28/16</a:t>
             </a:fld>
             <a:endParaRPr lang="en-US"/>
           </a:p>
@@ -4286,7 +4382,7 @@
           <a:p>
             <a:fld id="{0459C166-16D3-4A25-A2F8-C51E0E346B22}" type="datetimeFigureOut">
               <a:rPr lang="en-US" smtClean="0"/>
-              <a:t>6/17/16</a:t>
+              <a:t>6/28/16</a:t>
             </a:fld>
             <a:endParaRPr lang="en-US"/>
           </a:p>
@@ -4538,7 +4634,7 @@
           <a:p>
             <a:fld id="{0459C166-16D3-4A25-A2F8-C51E0E346B22}" type="datetimeFigureOut">
               <a:rPr lang="en-US" smtClean="0"/>
-              <a:t>6/17/16</a:t>
+              <a:t>6/28/16</a:t>
             </a:fld>
             <a:endParaRPr lang="en-US"/>
           </a:p>
@@ -4706,7 +4802,7 @@
           <a:p>
             <a:fld id="{0459C166-16D3-4A25-A2F8-C51E0E346B22}" type="datetimeFigureOut">
               <a:rPr lang="en-US" smtClean="0"/>
-              <a:t>6/17/16</a:t>
+              <a:t>6/28/16</a:t>
             </a:fld>
             <a:endParaRPr lang="en-US"/>
           </a:p>
@@ -4884,7 +4980,7 @@
           <a:p>
             <a:fld id="{0459C166-16D3-4A25-A2F8-C51E0E346B22}" type="datetimeFigureOut">
               <a:rPr lang="en-US" smtClean="0"/>
-              <a:t>6/17/16</a:t>
+              <a:t>6/28/16</a:t>
             </a:fld>
             <a:endParaRPr lang="en-US"/>
           </a:p>
@@ -5052,7 +5148,7 @@
           <a:p>
             <a:fld id="{0459C166-16D3-4A25-A2F8-C51E0E346B22}" type="datetimeFigureOut">
               <a:rPr lang="en-US" smtClean="0"/>
-              <a:t>6/17/16</a:t>
+              <a:t>6/28/16</a:t>
             </a:fld>
             <a:endParaRPr lang="en-US"/>
           </a:p>
@@ -5316,7 +5412,7 @@
             <a:fld id="{0459C166-16D3-4A25-A2F8-C51E0E346B22}" type="datetimeFigureOut">
               <a:rPr lang="en-US" smtClean="0"/>
               <a:pPr/>
-              <a:t>6/17/16</a:t>
+              <a:t>6/28/16</a:t>
             </a:fld>
             <a:endParaRPr lang="en-US"/>
           </a:p>
@@ -5632,7 +5728,7 @@
           <a:p>
             <a:fld id="{0459C166-16D3-4A25-A2F8-C51E0E346B22}" type="datetimeFigureOut">
               <a:rPr lang="en-US" smtClean="0"/>
-              <a:t>6/17/16</a:t>
+              <a:t>6/28/16</a:t>
             </a:fld>
             <a:endParaRPr lang="en-US"/>
           </a:p>
@@ -6024,7 +6120,7 @@
           <a:p>
             <a:fld id="{0459C166-16D3-4A25-A2F8-C51E0E346B22}" type="datetimeFigureOut">
               <a:rPr lang="en-US" smtClean="0"/>
-              <a:t>6/17/16</a:t>
+              <a:t>6/28/16</a:t>
             </a:fld>
             <a:endParaRPr lang="en-US"/>
           </a:p>
@@ -6985,7 +7081,7 @@
           <a:p>
             <a:fld id="{0459C166-16D3-4A25-A2F8-C51E0E346B22}" type="datetimeFigureOut">
               <a:rPr lang="en-US" smtClean="0"/>
-              <a:t>6/17/16</a:t>
+              <a:t>6/28/16</a:t>
             </a:fld>
             <a:endParaRPr lang="en-US"/>
           </a:p>
@@ -7196,7 +7292,7 @@
           <a:p>
             <a:fld id="{0459C166-16D3-4A25-A2F8-C51E0E346B22}" type="datetimeFigureOut">
               <a:rPr lang="en-US" smtClean="0"/>
-              <a:t>6/17/16</a:t>
+              <a:t>6/28/16</a:t>
             </a:fld>
             <a:endParaRPr lang="en-US"/>
           </a:p>
@@ -11019,7 +11115,7 @@
         <p:spPr>
           <a:xfrm>
             <a:off x="0" y="1764615"/>
-            <a:ext cx="12192000" cy="2175289"/>
+            <a:ext cx="12192000" cy="2662964"/>
           </a:xfrm>
           <a:prstGeom prst="rect">
             <a:avLst/>
@@ -11151,8 +11247,35 @@
                   <a:srgbClr val="FFFFFF"/>
                 </a:solidFill>
               </a:rPr>
-              <a:t>Improves maintainability</a:t>
-            </a:r>
+              <a:t>Improves </a:t>
+            </a:r>
+            <a:r>
+              <a:rPr lang="en-US" dirty="0" smtClean="0">
+                <a:solidFill>
+                  <a:srgbClr val="FFFFFF"/>
+                </a:solidFill>
+              </a:rPr>
+              <a:t>maintainability</a:t>
+            </a:r>
+          </a:p>
+          <a:p>
+            <a:pPr>
+              <a:buFont typeface="Wingdings" charset="2"/>
+              <a:buChar char="§"/>
+            </a:pPr>
+            <a:r>
+              <a:rPr lang="en-US" dirty="0" smtClean="0">
+                <a:solidFill>
+                  <a:srgbClr val="FFFFFF"/>
+                </a:solidFill>
+              </a:rPr>
+              <a:t>Less code means less testing code</a:t>
+            </a:r>
+            <a:endParaRPr lang="en-US" dirty="0">
+              <a:solidFill>
+                <a:srgbClr val="FFFFFF"/>
+              </a:solidFill>
+            </a:endParaRPr>
           </a:p>
         </p:txBody>
       </p:sp>
@@ -12504,14 +12627,14 @@
                 <a:gridCol w="5115359">
                   <a:extLst>
                     <a:ext uri="{9D8B030D-6E8A-4147-A177-3AD203B41FA5}">
-                      <a16:colId xmlns:a16="http://schemas.microsoft.com/office/drawing/2014/main" xmlns="" val="48614039"/>
+                      <a16:colId xmlns="" xmlns:a16="http://schemas.microsoft.com/office/drawing/2014/main" val="48614039"/>
                     </a:ext>
                   </a:extLst>
                 </a:gridCol>
                 <a:gridCol w="5115359">
                   <a:extLst>
                     <a:ext uri="{9D8B030D-6E8A-4147-A177-3AD203B41FA5}">
-                      <a16:colId xmlns:a16="http://schemas.microsoft.com/office/drawing/2014/main" xmlns="" val="1124546490"/>
+                      <a16:colId xmlns="" xmlns:a16="http://schemas.microsoft.com/office/drawing/2014/main" val="1124546490"/>
                     </a:ext>
                   </a:extLst>
                 </a:gridCol>
@@ -12581,7 +12704,7 @@
                 </a:tc>
                 <a:extLst>
                   <a:ext uri="{0D108BD9-81ED-4DB2-BD59-A6C34878D82A}">
-                    <a16:rowId xmlns:a16="http://schemas.microsoft.com/office/drawing/2014/main" xmlns="" val="679667022"/>
+                    <a16:rowId xmlns="" xmlns:a16="http://schemas.microsoft.com/office/drawing/2014/main" val="679667022"/>
                   </a:ext>
                 </a:extLst>
               </a:tr>
@@ -12634,7 +12757,7 @@
                 </a:tc>
                 <a:extLst>
                   <a:ext uri="{0D108BD9-81ED-4DB2-BD59-A6C34878D82A}">
-                    <a16:rowId xmlns:a16="http://schemas.microsoft.com/office/drawing/2014/main" xmlns="" val="2034482246"/>
+                    <a16:rowId xmlns="" xmlns:a16="http://schemas.microsoft.com/office/drawing/2014/main" val="2034482246"/>
                   </a:ext>
                 </a:extLst>
               </a:tr>
@@ -12697,7 +12820,7 @@
                 </a:tc>
                 <a:extLst>
                   <a:ext uri="{0D108BD9-81ED-4DB2-BD59-A6C34878D82A}">
-                    <a16:rowId xmlns:a16="http://schemas.microsoft.com/office/drawing/2014/main" xmlns="" val="682465758"/>
+                    <a16:rowId xmlns="" xmlns:a16="http://schemas.microsoft.com/office/drawing/2014/main" val="682465758"/>
                   </a:ext>
                 </a:extLst>
               </a:tr>
@@ -12750,7 +12873,7 @@
                 </a:tc>
                 <a:extLst>
                   <a:ext uri="{0D108BD9-81ED-4DB2-BD59-A6C34878D82A}">
-                    <a16:rowId xmlns:a16="http://schemas.microsoft.com/office/drawing/2014/main" xmlns="" val="4230228483"/>
+                    <a16:rowId xmlns="" xmlns:a16="http://schemas.microsoft.com/office/drawing/2014/main" val="4230228483"/>
                   </a:ext>
                 </a:extLst>
               </a:tr>
@@ -12893,7 +13016,6 @@
                         <a:rPr lang="en-US" dirty="0" smtClean="0"/>
                         <a:t>Inject platform-specific implementations into the shared project</a:t>
                       </a:r>
-                      <a:endParaRPr lang="en-US" dirty="0" smtClean="0"/>
                     </a:p>
                   </a:txBody>
                   <a:tcPr>
@@ -12906,7 +13028,7 @@
                 </a:tc>
                 <a:extLst>
                   <a:ext uri="{0D108BD9-81ED-4DB2-BD59-A6C34878D82A}">
-                    <a16:rowId xmlns:a16="http://schemas.microsoft.com/office/drawing/2014/main" xmlns="" val="3329658239"/>
+                    <a16:rowId xmlns="" xmlns:a16="http://schemas.microsoft.com/office/drawing/2014/main" val="3329658239"/>
                   </a:ext>
                 </a:extLst>
               </a:tr>
@@ -13197,7 +13319,7 @@
   <a:extraClrSchemeLst/>
   <a:extLst>
     <a:ext uri="{05A4C25C-085E-4340-85A3-A5531E510DB2}">
-      <thm15:themeFamily xmlns="" xmlns:thm15="http://schemas.microsoft.com/office/thememl/2012/main" name="Office Theme" id="{62F939B6-93AF-4DB8-9C6B-D6C7DFDC589F}" vid="{4A3C46E8-61CC-4603-A589-7422A47A8E4A}"/>
+      <thm15:themeFamily xmlns:thm15="http://schemas.microsoft.com/office/thememl/2012/main" xmlns="" name="Office Theme" id="{62F939B6-93AF-4DB8-9C6B-D6C7DFDC589F}" vid="{4A3C46E8-61CC-4603-A589-7422A47A8E4A}"/>
     </a:ext>
   </a:extLst>
 </a:theme>
@@ -13492,7 +13614,7 @@
   <a:extraClrSchemeLst/>
   <a:extLst>
     <a:ext uri="{05A4C25C-085E-4340-85A3-A5531E510DB2}">
-      <thm15:themeFamily xmlns="" xmlns:thm15="http://schemas.microsoft.com/office/thememl/2012/main" name="Office Theme" id="{62F939B6-93AF-4DB8-9C6B-D6C7DFDC589F}" vid="{4A3C46E8-61CC-4603-A589-7422A47A8E4A}"/>
+      <thm15:themeFamily xmlns:thm15="http://schemas.microsoft.com/office/thememl/2012/main" xmlns="" name="Office Theme" id="{62F939B6-93AF-4DB8-9C6B-D6C7DFDC589F}" vid="{4A3C46E8-61CC-4603-A589-7422A47A8E4A}"/>
     </a:ext>
   </a:extLst>
 </a:theme>
